--- a/Seminar/SEMINAR_NHOM_G4.pptx
+++ b/Seminar/SEMINAR_NHOM_G4.pptx
@@ -338,7 +338,7 @@
             <a:fld id="{B61BEF0D-F0BB-DE4B-95CE-6DB70DBA9567}" type="datetimeFigureOut">
               <a:rPr lang="en-US" dirty="0"/>
               <a:pPr/>
-              <a:t>4/29/2018</a:t>
+              <a:t>5/6/2018</a:t>
             </a:fld>
             <a:endParaRPr lang="en-US" dirty="0"/>
           </a:p>
@@ -673,7 +673,7 @@
             <a:fld id="{B61BEF0D-F0BB-DE4B-95CE-6DB70DBA9567}" type="datetimeFigureOut">
               <a:rPr lang="en-US" dirty="0"/>
               <a:pPr/>
-              <a:t>4/29/2018</a:t>
+              <a:t>5/6/2018</a:t>
             </a:fld>
             <a:endParaRPr lang="en-US" dirty="0"/>
           </a:p>
@@ -1071,7 +1071,7 @@
             <a:fld id="{B61BEF0D-F0BB-DE4B-95CE-6DB70DBA9567}" type="datetimeFigureOut">
               <a:rPr lang="en-US" dirty="0"/>
               <a:pPr/>
-              <a:t>4/29/2018</a:t>
+              <a:t>5/6/2018</a:t>
             </a:fld>
             <a:endParaRPr lang="en-US" dirty="0"/>
           </a:p>
@@ -1404,7 +1404,7 @@
             <a:fld id="{B61BEF0D-F0BB-DE4B-95CE-6DB70DBA9567}" type="datetimeFigureOut">
               <a:rPr lang="en-US" dirty="0"/>
               <a:pPr/>
-              <a:t>4/29/2018</a:t>
+              <a:t>5/6/2018</a:t>
             </a:fld>
             <a:endParaRPr lang="en-US" dirty="0"/>
           </a:p>
@@ -1721,7 +1721,7 @@
             <a:fld id="{B61BEF0D-F0BB-DE4B-95CE-6DB70DBA9567}" type="datetimeFigureOut">
               <a:rPr lang="en-US" dirty="0"/>
               <a:pPr/>
-              <a:t>4/29/2018</a:t>
+              <a:t>5/6/2018</a:t>
             </a:fld>
             <a:endParaRPr lang="en-US" dirty="0"/>
           </a:p>
@@ -2114,7 +2114,7 @@
             <a:fld id="{B61BEF0D-F0BB-DE4B-95CE-6DB70DBA9567}" type="datetimeFigureOut">
               <a:rPr lang="en-US" dirty="0"/>
               <a:pPr/>
-              <a:t>4/29/2018</a:t>
+              <a:t>5/6/2018</a:t>
             </a:fld>
             <a:endParaRPr lang="en-US" dirty="0"/>
           </a:p>
@@ -2368,7 +2368,7 @@
             <a:fld id="{B61BEF0D-F0BB-DE4B-95CE-6DB70DBA9567}" type="datetimeFigureOut">
               <a:rPr lang="en-US" dirty="0"/>
               <a:pPr/>
-              <a:t>4/29/2018</a:t>
+              <a:t>5/6/2018</a:t>
             </a:fld>
             <a:endParaRPr lang="en-US" dirty="0"/>
           </a:p>
@@ -2627,7 +2627,7 @@
             <a:fld id="{B61BEF0D-F0BB-DE4B-95CE-6DB70DBA9567}" type="datetimeFigureOut">
               <a:rPr lang="en-US" dirty="0"/>
               <a:pPr/>
-              <a:t>4/29/2018</a:t>
+              <a:t>5/6/2018</a:t>
             </a:fld>
             <a:endParaRPr lang="en-US" dirty="0"/>
           </a:p>
@@ -2886,7 +2886,7 @@
             <a:fld id="{B61BEF0D-F0BB-DE4B-95CE-6DB70DBA9567}" type="datetimeFigureOut">
               <a:rPr lang="en-US" dirty="0"/>
               <a:pPr/>
-              <a:t>4/29/2018</a:t>
+              <a:t>5/6/2018</a:t>
             </a:fld>
             <a:endParaRPr lang="en-US" dirty="0"/>
           </a:p>
@@ -3212,7 +3212,7 @@
             <a:fld id="{B61BEF0D-F0BB-DE4B-95CE-6DB70DBA9567}" type="datetimeFigureOut">
               <a:rPr lang="en-US" dirty="0"/>
               <a:pPr/>
-              <a:t>4/29/2018</a:t>
+              <a:t>5/6/2018</a:t>
             </a:fld>
             <a:endParaRPr lang="en-US" dirty="0"/>
           </a:p>
@@ -3532,7 +3532,7 @@
             <a:fld id="{B61BEF0D-F0BB-DE4B-95CE-6DB70DBA9567}" type="datetimeFigureOut">
               <a:rPr lang="en-US" dirty="0"/>
               <a:pPr/>
-              <a:t>4/29/2018</a:t>
+              <a:t>5/6/2018</a:t>
             </a:fld>
             <a:endParaRPr lang="en-US" dirty="0"/>
           </a:p>
@@ -3986,7 +3986,7 @@
             <a:fld id="{B61BEF0D-F0BB-DE4B-95CE-6DB70DBA9567}" type="datetimeFigureOut">
               <a:rPr lang="en-US" dirty="0"/>
               <a:pPr/>
-              <a:t>4/29/2018</a:t>
+              <a:t>5/6/2018</a:t>
             </a:fld>
             <a:endParaRPr lang="en-US" dirty="0"/>
           </a:p>
@@ -4188,7 +4188,7 @@
             <a:fld id="{B61BEF0D-F0BB-DE4B-95CE-6DB70DBA9567}" type="datetimeFigureOut">
               <a:rPr lang="en-US" dirty="0"/>
               <a:pPr/>
-              <a:t>4/29/2018</a:t>
+              <a:t>5/6/2018</a:t>
             </a:fld>
             <a:endParaRPr lang="en-US" dirty="0"/>
           </a:p>
@@ -4362,7 +4362,7 @@
             <a:fld id="{B61BEF0D-F0BB-DE4B-95CE-6DB70DBA9567}" type="datetimeFigureOut">
               <a:rPr lang="en-US" dirty="0"/>
               <a:pPr/>
-              <a:t>4/29/2018</a:t>
+              <a:t>5/6/2018</a:t>
             </a:fld>
             <a:endParaRPr lang="en-US" dirty="0"/>
           </a:p>
@@ -4692,7 +4692,7 @@
             <a:fld id="{B61BEF0D-F0BB-DE4B-95CE-6DB70DBA9567}" type="datetimeFigureOut">
               <a:rPr lang="en-US" dirty="0"/>
               <a:pPr/>
-              <a:t>4/29/2018</a:t>
+              <a:t>5/6/2018</a:t>
             </a:fld>
             <a:endParaRPr lang="en-US" dirty="0"/>
           </a:p>
@@ -5034,7 +5034,7 @@
             <a:fld id="{B61BEF0D-F0BB-DE4B-95CE-6DB70DBA9567}" type="datetimeFigureOut">
               <a:rPr lang="en-US" dirty="0"/>
               <a:pPr/>
-              <a:t>4/29/2018</a:t>
+              <a:t>5/6/2018</a:t>
             </a:fld>
             <a:endParaRPr lang="en-US" dirty="0"/>
           </a:p>
@@ -7148,7 +7148,7 @@
             <a:fld id="{B61BEF0D-F0BB-DE4B-95CE-6DB70DBA9567}" type="datetimeFigureOut">
               <a:rPr lang="en-US" dirty="0"/>
               <a:pPr/>
-              <a:t>4/29/2018</a:t>
+              <a:t>5/6/2018</a:t>
             </a:fld>
             <a:endParaRPr lang="en-US" dirty="0"/>
           </a:p>
@@ -14451,7 +14451,7 @@
                 <a:latin typeface="Times New Roman" panose="02020603050405020304" pitchFamily="18" charset="0"/>
                 <a:cs typeface="Times New Roman" panose="02020603050405020304" pitchFamily="18" charset="0"/>
               </a:rPr>
-              <a:t>N CÁC BẠN ĐÃ LẮNG NGHE !</a:t>
+              <a:t>N THẦY VÀ CÁC BẠN ĐÃ LẮNG NGHE !</a:t>
             </a:r>
           </a:p>
         </p:txBody>
@@ -27568,8 +27568,29 @@
                 <a:latin typeface="Times New Roman" panose="02020603050405020304" pitchFamily="18" charset="0"/>
                 <a:cs typeface="Times New Roman" panose="02020603050405020304" pitchFamily="18" charset="0"/>
               </a:rPr>
-              <a:t> dung</a:t>
-            </a:r>
+              <a:t> </a:t>
+            </a:r>
+            <a:r>
+              <a:rPr lang="en-US" sz="2200" dirty="0" err="1">
+                <a:solidFill>
+                  <a:schemeClr val="accent2">
+                    <a:lumMod val="50000"/>
+                  </a:schemeClr>
+                </a:solidFill>
+                <a:latin typeface="Times New Roman" panose="02020603050405020304" pitchFamily="18" charset="0"/>
+                <a:cs typeface="Times New Roman" panose="02020603050405020304" pitchFamily="18" charset="0"/>
+              </a:rPr>
+              <a:t>dùng</a:t>
+            </a:r>
+            <a:endParaRPr lang="en-US" sz="2200" dirty="0">
+              <a:solidFill>
+                <a:schemeClr val="accent2">
+                  <a:lumMod val="50000"/>
+                </a:schemeClr>
+              </a:solidFill>
+              <a:latin typeface="Times New Roman" panose="02020603050405020304" pitchFamily="18" charset="0"/>
+              <a:cs typeface="Times New Roman" panose="02020603050405020304" pitchFamily="18" charset="0"/>
+            </a:endParaRPr>
           </a:p>
           <a:p>
             <a:pPr>
